--- a/CSE2010 Advanced C programming/Reference Materials/26_Module 6.pptx
+++ b/CSE2010 Advanced C programming/Reference Materials/26_Module 6.pptx
@@ -312,7 +312,7 @@
           <a:p>
             <a:fld id="{3B5B8125-51FA-4C39-AC26-EED600D796B9}" type="datetimeFigureOut">
               <a:rPr lang="en-IN" smtClean="0"/>
-              <a:t>12-06-2021</a:t>
+              <a:t>13-06-2021</a:t>
             </a:fld>
             <a:endParaRPr lang="en-IN"/>
           </a:p>
@@ -482,7 +482,7 @@
           <a:p>
             <a:fld id="{3B5B8125-51FA-4C39-AC26-EED600D796B9}" type="datetimeFigureOut">
               <a:rPr lang="en-IN" smtClean="0"/>
-              <a:t>12-06-2021</a:t>
+              <a:t>13-06-2021</a:t>
             </a:fld>
             <a:endParaRPr lang="en-IN"/>
           </a:p>
@@ -662,7 +662,7 @@
           <a:p>
             <a:fld id="{3B5B8125-51FA-4C39-AC26-EED600D796B9}" type="datetimeFigureOut">
               <a:rPr lang="en-IN" smtClean="0"/>
-              <a:t>12-06-2021</a:t>
+              <a:t>13-06-2021</a:t>
             </a:fld>
             <a:endParaRPr lang="en-IN"/>
           </a:p>
@@ -832,7 +832,7 @@
           <a:p>
             <a:fld id="{3B5B8125-51FA-4C39-AC26-EED600D796B9}" type="datetimeFigureOut">
               <a:rPr lang="en-IN" smtClean="0"/>
-              <a:t>12-06-2021</a:t>
+              <a:t>13-06-2021</a:t>
             </a:fld>
             <a:endParaRPr lang="en-IN"/>
           </a:p>
@@ -1078,7 +1078,7 @@
           <a:p>
             <a:fld id="{3B5B8125-51FA-4C39-AC26-EED600D796B9}" type="datetimeFigureOut">
               <a:rPr lang="en-IN" smtClean="0"/>
-              <a:t>12-06-2021</a:t>
+              <a:t>13-06-2021</a:t>
             </a:fld>
             <a:endParaRPr lang="en-IN"/>
           </a:p>
@@ -1366,7 +1366,7 @@
           <a:p>
             <a:fld id="{3B5B8125-51FA-4C39-AC26-EED600D796B9}" type="datetimeFigureOut">
               <a:rPr lang="en-IN" smtClean="0"/>
-              <a:t>12-06-2021</a:t>
+              <a:t>13-06-2021</a:t>
             </a:fld>
             <a:endParaRPr lang="en-IN"/>
           </a:p>
@@ -1788,7 +1788,7 @@
           <a:p>
             <a:fld id="{3B5B8125-51FA-4C39-AC26-EED600D796B9}" type="datetimeFigureOut">
               <a:rPr lang="en-IN" smtClean="0"/>
-              <a:t>12-06-2021</a:t>
+              <a:t>13-06-2021</a:t>
             </a:fld>
             <a:endParaRPr lang="en-IN"/>
           </a:p>
@@ -1906,7 +1906,7 @@
           <a:p>
             <a:fld id="{3B5B8125-51FA-4C39-AC26-EED600D796B9}" type="datetimeFigureOut">
               <a:rPr lang="en-IN" smtClean="0"/>
-              <a:t>12-06-2021</a:t>
+              <a:t>13-06-2021</a:t>
             </a:fld>
             <a:endParaRPr lang="en-IN"/>
           </a:p>
@@ -2001,7 +2001,7 @@
           <a:p>
             <a:fld id="{3B5B8125-51FA-4C39-AC26-EED600D796B9}" type="datetimeFigureOut">
               <a:rPr lang="en-IN" smtClean="0"/>
-              <a:t>12-06-2021</a:t>
+              <a:t>13-06-2021</a:t>
             </a:fld>
             <a:endParaRPr lang="en-IN"/>
           </a:p>
@@ -2278,7 +2278,7 @@
           <a:p>
             <a:fld id="{3B5B8125-51FA-4C39-AC26-EED600D796B9}" type="datetimeFigureOut">
               <a:rPr lang="en-IN" smtClean="0"/>
-              <a:t>12-06-2021</a:t>
+              <a:t>13-06-2021</a:t>
             </a:fld>
             <a:endParaRPr lang="en-IN"/>
           </a:p>
@@ -2531,7 +2531,7 @@
           <a:p>
             <a:fld id="{3B5B8125-51FA-4C39-AC26-EED600D796B9}" type="datetimeFigureOut">
               <a:rPr lang="en-IN" smtClean="0"/>
-              <a:t>12-06-2021</a:t>
+              <a:t>13-06-2021</a:t>
             </a:fld>
             <a:endParaRPr lang="en-IN"/>
           </a:p>
@@ -2744,7 +2744,7 @@
           <a:p>
             <a:fld id="{3B5B8125-51FA-4C39-AC26-EED600D796B9}" type="datetimeFigureOut">
               <a:rPr lang="en-IN" smtClean="0"/>
-              <a:t>12-06-2021</a:t>
+              <a:t>13-06-2021</a:t>
             </a:fld>
             <a:endParaRPr lang="en-IN"/>
           </a:p>
